--- a/inst/rmarkdown/templates/pptx_slides/skeleton/template.pptx
+++ b/inst/rmarkdown/templates/pptx_slides/skeleton/template.pptx
@@ -14,7 +14,7 @@
     <p:sldId id="260" r:id="rId5"/>
     <p:sldId id="261" r:id="rId6"/>
     <p:sldId id="265" r:id="rId7"/>
-    <p:sldId id="262" r:id="rId8"/>
+    <p:sldId id="266" r:id="rId8"/>
     <p:sldId id="263" r:id="rId9"/>
   </p:sldIdLst>
   <p:sldSz cx="12192000" cy="6858000"/>
@@ -338,7 +338,7 @@
           <a:p>
             <a:fld id="{30CD7F73-8ADD-5E43-A4EB-695AC966019D}" type="datetimeFigureOut">
               <a:rPr lang="es-PE" smtClean="0"/>
-              <a:t>22/04/25</a:t>
+              <a:t>12/06/25</a:t>
             </a:fld>
             <a:endParaRPr lang="es-PE"/>
           </a:p>
@@ -1138,7 +1138,7 @@
                 </a:buClr>
                 <a:buSzPts val="1800"/>
               </a:pPr>
-              <a:t>22/04/25</a:t>
+              <a:t>12/06/25</a:t>
             </a:fld>
             <a:endParaRPr lang="es-PE"/>
           </a:p>
@@ -9757,7 +9757,7 @@
           <a:p>
             <a:fld id="{744CB4CB-0240-FB4C-81F1-218533927016}" type="datetimeFigureOut">
               <a:rPr lang="es-PE" smtClean="0"/>
-              <a:t>22/04/25</a:t>
+              <a:t>12/06/25</a:t>
             </a:fld>
             <a:endParaRPr lang="es-PE"/>
           </a:p>
@@ -14108,7 +14108,7 @@
         </p:nvSpPr>
         <p:spPr>
           <a:xfrm>
-            <a:off x="461464" y="338268"/>
+            <a:off x="461464" y="206188"/>
             <a:ext cx="9626752" cy="666595"/>
           </a:xfrm>
           <a:prstGeom prst="rect">
@@ -14120,7 +14120,7 @@
           </a:ln>
         </p:spPr>
         <p:txBody>
-          <a:bodyPr spcFirstLastPara="1" wrap="square" lIns="91425" tIns="45700" rIns="91425" bIns="45700" anchor="ctr" anchorCtr="0">
+          <a:bodyPr spcFirstLastPara="1" wrap="square" lIns="91425" tIns="45700" rIns="91425" bIns="45700" anchor="b" anchorCtr="0">
             <a:normAutofit/>
           </a:bodyPr>
           <a:lstStyle>
@@ -19727,7 +19727,7 @@
           <a:p>
             <a:fld id="{75C70C58-02E6-BE4A-9320-917330A400ED}" type="datetimeFigureOut">
               <a:rPr lang="es-PE" smtClean="0"/>
-              <a:t>22/04/25</a:t>
+              <a:t>12/06/25</a:t>
             </a:fld>
             <a:endParaRPr lang="es-PE"/>
           </a:p>
@@ -21101,7 +21101,7 @@
             </a:pPr>
             <a:fld id="{DFB143D2-8BDB-9741-9589-D8B245E426C8}" type="datetime4">
               <a:rPr lang="es-PE" smtClean="0"/>
-              <a:t>22 de Abril de 2025</a:t>
+              <a:t>12 de Junio de 2025</a:t>
             </a:fld>
             <a:endParaRPr lang="es-PE" dirty="0"/>
           </a:p>
@@ -21617,7 +21617,7 @@
           <p:cNvPr id="2" name="Marcador de contenido 1">
             <a:extLst>
               <a:ext uri="{FF2B5EF4-FFF2-40B4-BE49-F238E27FC236}">
-                <a16:creationId xmlns:a16="http://schemas.microsoft.com/office/drawing/2014/main" id="{713F6456-1E0F-F6B4-B214-3297CCCB2896}"/>
+                <a16:creationId xmlns:a16="http://schemas.microsoft.com/office/drawing/2014/main" id="{82B53394-53C2-BF64-9210-0E32E98FE3EE}"/>
               </a:ext>
             </a:extLst>
           </p:cNvPr>
@@ -21642,7 +21642,7 @@
           <p:cNvPr id="3" name="Título 2">
             <a:extLst>
               <a:ext uri="{FF2B5EF4-FFF2-40B4-BE49-F238E27FC236}">
-                <a16:creationId xmlns:a16="http://schemas.microsoft.com/office/drawing/2014/main" id="{44DEE2F0-0A6C-F699-3D1C-C9C40C25C640}"/>
+                <a16:creationId xmlns:a16="http://schemas.microsoft.com/office/drawing/2014/main" id="{B85C6818-038D-408C-9A5E-D51A1E51DC12}"/>
               </a:ext>
             </a:extLst>
           </p:cNvPr>
@@ -21658,14 +21658,14 @@
           <a:bodyPr/>
           <a:lstStyle/>
           <a:p>
-            <a:endParaRPr lang="es-PE" dirty="0"/>
+            <a:endParaRPr lang="es-PE"/>
           </a:p>
         </p:txBody>
       </p:sp>
     </p:spTree>
     <p:extLst>
       <p:ext uri="{BB962C8B-B14F-4D97-AF65-F5344CB8AC3E}">
-        <p14:creationId xmlns:p14="http://schemas.microsoft.com/office/powerpoint/2010/main" val="4265842174"/>
+        <p14:creationId xmlns:p14="http://schemas.microsoft.com/office/powerpoint/2010/main" val="362561991"/>
       </p:ext>
     </p:extLst>
   </p:cSld>
